--- a/assets/images/그래프/그래프.pptx
+++ b/assets/images/그래프/그래프.pptx
@@ -1507,6 +1507,53 @@
           <pc:docMk/>
           <pc:sldMk cId="1451024593" sldId="283"/>
         </pc:sldMkLst>
+      </pc:sldChg>
+    </pc:docChg>
+  </pc:docChgLst>
+  <pc:docChgLst>
+    <pc:chgData name="noh taehyun" userId="26ea3cd8016ad7de" providerId="LiveId" clId="{96E8E1A3-6995-439B-B5A5-B0939DB57B6B}"/>
+    <pc:docChg chg="custSel modSld">
+      <pc:chgData name="noh taehyun" userId="26ea3cd8016ad7de" providerId="LiveId" clId="{96E8E1A3-6995-439B-B5A5-B0939DB57B6B}" dt="2021-09-04T07:29:49.067" v="11" actId="478"/>
+      <pc:docMkLst>
+        <pc:docMk/>
+      </pc:docMkLst>
+      <pc:sldChg chg="modSp mod">
+        <pc:chgData name="noh taehyun" userId="26ea3cd8016ad7de" providerId="LiveId" clId="{96E8E1A3-6995-439B-B5A5-B0939DB57B6B}" dt="2021-09-04T07:21:12.424" v="1" actId="20577"/>
+        <pc:sldMkLst>
+          <pc:docMk/>
+          <pc:sldMk cId="3516650593" sldId="270"/>
+        </pc:sldMkLst>
+        <pc:graphicFrameChg chg="modGraphic">
+          <ac:chgData name="noh taehyun" userId="26ea3cd8016ad7de" providerId="LiveId" clId="{96E8E1A3-6995-439B-B5A5-B0939DB57B6B}" dt="2021-09-04T07:21:12.424" v="1" actId="20577"/>
+          <ac:graphicFrameMkLst>
+            <pc:docMk/>
+            <pc:sldMk cId="3516650593" sldId="270"/>
+            <ac:graphicFrameMk id="10" creationId="{6E7333DB-3CA6-4229-B78E-14D8F0E92CE9}"/>
+          </ac:graphicFrameMkLst>
+        </pc:graphicFrameChg>
+      </pc:sldChg>
+      <pc:sldChg chg="addSp delSp modSp mod">
+        <pc:chgData name="noh taehyun" userId="26ea3cd8016ad7de" providerId="LiveId" clId="{96E8E1A3-6995-439B-B5A5-B0939DB57B6B}" dt="2021-09-04T07:29:49.067" v="11" actId="478"/>
+        <pc:sldMkLst>
+          <pc:docMk/>
+          <pc:sldMk cId="2323353861" sldId="272"/>
+        </pc:sldMkLst>
+        <pc:spChg chg="add del">
+          <ac:chgData name="noh taehyun" userId="26ea3cd8016ad7de" providerId="LiveId" clId="{96E8E1A3-6995-439B-B5A5-B0939DB57B6B}" dt="2021-09-04T07:29:49.067" v="11" actId="478"/>
+          <ac:spMkLst>
+            <pc:docMk/>
+            <pc:sldMk cId="2323353861" sldId="272"/>
+            <ac:spMk id="4" creationId="{55441866-8353-42B4-9FF5-BB2D2A9F3120}"/>
+          </ac:spMkLst>
+        </pc:spChg>
+        <pc:graphicFrameChg chg="modGraphic">
+          <ac:chgData name="noh taehyun" userId="26ea3cd8016ad7de" providerId="LiveId" clId="{96E8E1A3-6995-439B-B5A5-B0939DB57B6B}" dt="2021-09-04T07:22:38.189" v="9" actId="20577"/>
+          <ac:graphicFrameMkLst>
+            <pc:docMk/>
+            <pc:sldMk cId="2323353861" sldId="272"/>
+            <ac:graphicFrameMk id="10" creationId="{6E7333DB-3CA6-4229-B78E-14D8F0E92CE9}"/>
+          </ac:graphicFrameMkLst>
+        </pc:graphicFrameChg>
       </pc:sldChg>
     </pc:docChg>
   </pc:docChgLst>
@@ -8286,7 +8333,7 @@
           <p:nvPr>
             <p:extLst>
               <p:ext uri="{D42A27DB-BD31-4B8C-83A1-F6EECF244321}">
-                <p14:modId xmlns:p14="http://schemas.microsoft.com/office/powerpoint/2010/main" val="390316087"/>
+                <p14:modId xmlns:p14="http://schemas.microsoft.com/office/powerpoint/2010/main" val="3212428966"/>
               </p:ext>
             </p:extLst>
           </p:nvPr>
@@ -8826,7 +8873,7 @@
                             <a:schemeClr val="bg2"/>
                           </a:solidFill>
                         </a:rPr>
-                        <a:t>0</a:t>
+                        <a:t>1</a:t>
                       </a:r>
                       <a:endParaRPr lang="ko-KR" altLang="en-US" sz="2400" dirty="0">
                         <a:solidFill>
@@ -10642,7 +10689,7 @@
           <p:nvPr>
             <p:extLst>
               <p:ext uri="{D42A27DB-BD31-4B8C-83A1-F6EECF244321}">
-                <p14:modId xmlns:p14="http://schemas.microsoft.com/office/powerpoint/2010/main" val="4039218922"/>
+                <p14:modId xmlns:p14="http://schemas.microsoft.com/office/powerpoint/2010/main" val="3013383268"/>
               </p:ext>
             </p:extLst>
           </p:nvPr>
@@ -10658,24 +10705,31 @@
                 <a:tableStyleId>{69CF1AB2-1976-4502-BF36-3FF5EA218861}</a:tableStyleId>
               </a:tblPr>
               <a:tblGrid>
-                <a:gridCol w="1465424">
+                <a:gridCol w="1099068">
                   <a:extLst>
                     <a:ext uri="{9D8B030D-6E8A-4147-A177-3AD203B41FA5}">
                       <a16:colId xmlns:a16="http://schemas.microsoft.com/office/drawing/2014/main" val="2254424388"/>
                     </a:ext>
                   </a:extLst>
                 </a:gridCol>
-                <a:gridCol w="1465424">
+                <a:gridCol w="1099068">
                   <a:extLst>
                     <a:ext uri="{9D8B030D-6E8A-4147-A177-3AD203B41FA5}">
                       <a16:colId xmlns:a16="http://schemas.microsoft.com/office/drawing/2014/main" val="3948295443"/>
                     </a:ext>
                   </a:extLst>
                 </a:gridCol>
-                <a:gridCol w="1465424">
+                <a:gridCol w="1099068">
                   <a:extLst>
                     <a:ext uri="{9D8B030D-6E8A-4147-A177-3AD203B41FA5}">
                       <a16:colId xmlns:a16="http://schemas.microsoft.com/office/drawing/2014/main" val="1956488666"/>
+                    </a:ext>
+                  </a:extLst>
+                </a:gridCol>
+                <a:gridCol w="1099068">
+                  <a:extLst>
+                    <a:ext uri="{9D8B030D-6E8A-4147-A177-3AD203B41FA5}">
+                      <a16:colId xmlns:a16="http://schemas.microsoft.com/office/drawing/2014/main" val="2347887163"/>
                     </a:ext>
                   </a:extLst>
                 </a:gridCol>
@@ -10703,7 +10757,7 @@
                     </a:solidFill>
                   </a:tcPr>
                 </a:tc>
-                <a:tc gridSpan="2">
+                <a:tc gridSpan="3">
                   <a:txBody>
                     <a:bodyPr/>
                     <a:lstStyle/>
@@ -10717,6 +10771,25 @@
                         </a:rPr>
                         <a:t>연결되어 있는 노드</a:t>
                       </a:r>
+                    </a:p>
+                  </a:txBody>
+                  <a:tcPr anchor="ctr">
+                    <a:solidFill>
+                      <a:schemeClr val="tx2"/>
+                    </a:solidFill>
+                  </a:tcPr>
+                </a:tc>
+                <a:tc hMerge="1">
+                  <a:txBody>
+                    <a:bodyPr/>
+                    <a:lstStyle/>
+                    <a:p>
+                      <a:pPr algn="ctr" latinLnBrk="1"/>
+                      <a:endParaRPr lang="ko-KR" altLang="en-US" sz="2400" dirty="0">
+                        <a:solidFill>
+                          <a:schemeClr val="bg2"/>
+                        </a:solidFill>
+                      </a:endParaRPr>
                     </a:p>
                   </a:txBody>
                   <a:tcPr anchor="ctr">
@@ -10824,6 +10897,25 @@
                     </a:solidFill>
                   </a:tcPr>
                 </a:tc>
+                <a:tc>
+                  <a:txBody>
+                    <a:bodyPr/>
+                    <a:lstStyle/>
+                    <a:p>
+                      <a:pPr algn="ctr" latinLnBrk="1"/>
+                      <a:endParaRPr lang="ko-KR" altLang="en-US" sz="2400" dirty="0">
+                        <a:solidFill>
+                          <a:schemeClr val="bg2"/>
+                        </a:solidFill>
+                      </a:endParaRPr>
+                    </a:p>
+                  </a:txBody>
+                  <a:tcPr anchor="ctr">
+                    <a:solidFill>
+                      <a:schemeClr val="tx2"/>
+                    </a:solidFill>
+                  </a:tcPr>
+                </a:tc>
                 <a:extLst>
                   <a:ext uri="{0D108BD9-81ED-4DB2-BD59-A6C34878D82A}">
                     <a16:rowId xmlns:a16="http://schemas.microsoft.com/office/drawing/2014/main" val="3371248384"/>
@@ -10855,6 +10947,33 @@
                   <a:tcPr anchor="ctr">
                     <a:solidFill>
                       <a:schemeClr val="accent2"/>
+                    </a:solidFill>
+                  </a:tcPr>
+                </a:tc>
+                <a:tc>
+                  <a:txBody>
+                    <a:bodyPr/>
+                    <a:lstStyle/>
+                    <a:p>
+                      <a:pPr algn="ctr" latinLnBrk="1"/>
+                      <a:r>
+                        <a:rPr lang="en-US" altLang="ko-KR" sz="2400" dirty="0">
+                          <a:solidFill>
+                            <a:schemeClr val="bg2"/>
+                          </a:solidFill>
+                        </a:rPr>
+                        <a:t>1</a:t>
+                      </a:r>
+                      <a:endParaRPr lang="ko-KR" altLang="en-US" sz="2400" dirty="0">
+                        <a:solidFill>
+                          <a:schemeClr val="bg2"/>
+                        </a:solidFill>
+                      </a:endParaRPr>
+                    </a:p>
+                  </a:txBody>
+                  <a:tcPr anchor="ctr">
+                    <a:solidFill>
+                      <a:schemeClr val="tx2"/>
                     </a:solidFill>
                   </a:tcPr>
                 </a:tc>
@@ -11000,6 +11119,33 @@
                     </a:solidFill>
                   </a:tcPr>
                 </a:tc>
+                <a:tc>
+                  <a:txBody>
+                    <a:bodyPr/>
+                    <a:lstStyle/>
+                    <a:p>
+                      <a:pPr algn="ctr" latinLnBrk="1"/>
+                      <a:r>
+                        <a:rPr lang="en-US" altLang="ko-KR" sz="2400" dirty="0">
+                          <a:solidFill>
+                            <a:schemeClr val="bg2"/>
+                          </a:solidFill>
+                        </a:rPr>
+                        <a:t>5</a:t>
+                      </a:r>
+                      <a:endParaRPr lang="ko-KR" altLang="en-US" sz="2400" dirty="0">
+                        <a:solidFill>
+                          <a:schemeClr val="bg2"/>
+                        </a:solidFill>
+                      </a:endParaRPr>
+                    </a:p>
+                  </a:txBody>
+                  <a:tcPr anchor="ctr">
+                    <a:solidFill>
+                      <a:schemeClr val="tx2"/>
+                    </a:solidFill>
+                  </a:tcPr>
+                </a:tc>
                 <a:extLst>
                   <a:ext uri="{0D108BD9-81ED-4DB2-BD59-A6C34878D82A}">
                     <a16:rowId xmlns:a16="http://schemas.microsoft.com/office/drawing/2014/main" val="2996904185"/>
@@ -11075,6 +11221,25 @@
                         </a:rPr>
                         <a:t>3</a:t>
                       </a:r>
+                      <a:endParaRPr lang="ko-KR" altLang="en-US" sz="2400" dirty="0">
+                        <a:solidFill>
+                          <a:schemeClr val="bg2"/>
+                        </a:solidFill>
+                      </a:endParaRPr>
+                    </a:p>
+                  </a:txBody>
+                  <a:tcPr anchor="ctr">
+                    <a:solidFill>
+                      <a:schemeClr val="tx2"/>
+                    </a:solidFill>
+                  </a:tcPr>
+                </a:tc>
+                <a:tc>
+                  <a:txBody>
+                    <a:bodyPr/>
+                    <a:lstStyle/>
+                    <a:p>
+                      <a:pPr algn="ctr" latinLnBrk="1"/>
                       <a:endParaRPr lang="ko-KR" altLang="en-US" sz="2400" dirty="0">
                         <a:solidFill>
                           <a:schemeClr val="bg2"/>
@@ -11176,6 +11341,25 @@
                     </a:solidFill>
                   </a:tcPr>
                 </a:tc>
+                <a:tc>
+                  <a:txBody>
+                    <a:bodyPr/>
+                    <a:lstStyle/>
+                    <a:p>
+                      <a:pPr algn="ctr" latinLnBrk="1"/>
+                      <a:endParaRPr lang="ko-KR" altLang="en-US" sz="2400" dirty="0">
+                        <a:solidFill>
+                          <a:schemeClr val="bg2"/>
+                        </a:solidFill>
+                      </a:endParaRPr>
+                    </a:p>
+                  </a:txBody>
+                  <a:tcPr anchor="ctr">
+                    <a:solidFill>
+                      <a:schemeClr val="tx2"/>
+                    </a:solidFill>
+                  </a:tcPr>
+                </a:tc>
                 <a:extLst>
                   <a:ext uri="{0D108BD9-81ED-4DB2-BD59-A6C34878D82A}">
                     <a16:rowId xmlns:a16="http://schemas.microsoft.com/office/drawing/2014/main" val="1462936125"/>
@@ -11224,6 +11408,25 @@
                         </a:rPr>
                         <a:t>5</a:t>
                       </a:r>
+                      <a:endParaRPr lang="ko-KR" altLang="en-US" sz="2400" dirty="0">
+                        <a:solidFill>
+                          <a:schemeClr val="bg2"/>
+                        </a:solidFill>
+                      </a:endParaRPr>
+                    </a:p>
+                  </a:txBody>
+                  <a:tcPr anchor="ctr">
+                    <a:solidFill>
+                      <a:schemeClr val="tx2"/>
+                    </a:solidFill>
+                  </a:tcPr>
+                </a:tc>
+                <a:tc>
+                  <a:txBody>
+                    <a:bodyPr/>
+                    <a:lstStyle/>
+                    <a:p>
+                      <a:pPr algn="ctr" latinLnBrk="1"/>
                       <a:endParaRPr lang="ko-KR" altLang="en-US" sz="2400" dirty="0">
                         <a:solidFill>
                           <a:schemeClr val="bg2"/>
@@ -11306,8 +11509,8 @@
           <a:chExt cx="0" cy="0"/>
         </a:xfrm>
       </p:grpSpPr>
-      <mc:AlternateContent xmlns:mc="http://schemas.openxmlformats.org/markup-compatibility/2006">
-        <mc:Choice xmlns:a14="http://schemas.microsoft.com/office/drawing/2010/main" Requires="a14">
+      <mc:AlternateContent xmlns:mc="http://schemas.openxmlformats.org/markup-compatibility/2006" xmlns:a14="http://schemas.microsoft.com/office/drawing/2010/main">
+        <mc:Choice Requires="a14">
           <p:graphicFrame>
             <p:nvGraphicFramePr>
               <p:cNvPr id="10" name="표 11">
@@ -11994,7 +12197,7 @@
             </a:graphic>
           </p:graphicFrame>
         </mc:Choice>
-        <mc:Fallback>
+        <mc:Fallback xmlns="">
           <p:graphicFrame>
             <p:nvGraphicFramePr>
               <p:cNvPr id="10" name="표 11">
